--- a/VideoSessionsMaterials/v9-event-listeners.pptx
+++ b/VideoSessionsMaterials/v9-event-listeners.pptx
@@ -5,13 +5,15 @@
     <p:sldMasterId id="2147483648" r:id="rId1"/>
   </p:sldMasterIdLst>
   <p:notesMasterIdLst>
-    <p:notesMasterId r:id="rId6"/>
+    <p:notesMasterId r:id="rId8"/>
   </p:notesMasterIdLst>
   <p:sldIdLst>
     <p:sldId id="277" r:id="rId2"/>
-    <p:sldId id="341" r:id="rId3"/>
-    <p:sldId id="369" r:id="rId4"/>
-    <p:sldId id="322" r:id="rId5"/>
+    <p:sldId id="370" r:id="rId3"/>
+    <p:sldId id="371" r:id="rId4"/>
+    <p:sldId id="341" r:id="rId5"/>
+    <p:sldId id="369" r:id="rId6"/>
+    <p:sldId id="322" r:id="rId7"/>
   </p:sldIdLst>
   <p:sldSz cx="17327563" cy="9747250"/>
   <p:notesSz cx="6858000" cy="9144000"/>
@@ -550,7 +552,7 @@
               <a:pPr algn="r" eaLnBrk="0" hangingPunct="0">
                 <a:defRPr/>
               </a:pPr>
-              <a:t>2</a:t>
+              <a:t>4</a:t>
             </a:fld>
             <a:endParaRPr lang="en-US" sz="1200" dirty="0">
               <a:ea typeface="ＭＳ Ｐゴシック" pitchFamily="34" charset="-128"/>
@@ -661,7 +663,7 @@
               <a:pPr algn="r" eaLnBrk="0" hangingPunct="0">
                 <a:defRPr/>
               </a:pPr>
-              <a:t>3</a:t>
+              <a:t>5</a:t>
             </a:fld>
             <a:endParaRPr lang="en-US" sz="1200" dirty="0">
               <a:ea typeface="ＭＳ Ｐゴシック" pitchFamily="34" charset="-128"/>
@@ -5053,26 +5055,408 @@
       </p:grpSpPr>
       <p:sp>
         <p:nvSpPr>
-          <p:cNvPr id="92164" name="Rectangle 3"/>
-          <p:cNvSpPr>
-            <a:spLocks noGrp="1" noChangeArrowheads="1"/>
+          <p:cNvPr id="2" name="Title 1"/>
+          <p:cNvSpPr>
+            <a:spLocks noGrp="1"/>
+          </p:cNvSpPr>
+          <p:nvPr>
+            <p:ph type="title"/>
+          </p:nvPr>
+        </p:nvSpPr>
+        <p:spPr/>
+        <p:txBody>
+          <a:bodyPr/>
+          <a:lstStyle/>
+          <a:p>
+            <a:r>
+              <a:rPr lang="en-US" dirty="0" smtClean="0"/>
+              <a:t>Events</a:t>
+            </a:r>
+            <a:endParaRPr lang="en-US" dirty="0"/>
+          </a:p>
+        </p:txBody>
+      </p:sp>
+      <p:sp>
+        <p:nvSpPr>
+          <p:cNvPr id="3" name="Content Placeholder 2"/>
+          <p:cNvSpPr>
+            <a:spLocks noGrp="1"/>
           </p:cNvSpPr>
           <p:nvPr>
             <p:ph idx="1"/>
           </p:nvPr>
         </p:nvSpPr>
+        <p:spPr/>
+        <p:txBody>
+          <a:bodyPr/>
+          <a:lstStyle/>
+          <a:p>
+            <a:r>
+              <a:rPr lang="en-US" sz="3200" dirty="0" smtClean="0"/>
+              <a:t>Events simply indicate the video has done something</a:t>
+            </a:r>
+          </a:p>
+          <a:p>
+            <a:r>
+              <a:rPr lang="en-US" sz="3200" dirty="0" smtClean="0"/>
+              <a:t>Can listen for the following events</a:t>
+            </a:r>
+            <a:endParaRPr lang="en-US" sz="3200" dirty="0"/>
+          </a:p>
+        </p:txBody>
+      </p:sp>
+      <p:sp>
+        <p:nvSpPr>
+          <p:cNvPr id="4" name="Slide Number Placeholder 3"/>
+          <p:cNvSpPr>
+            <a:spLocks noGrp="1"/>
+          </p:cNvSpPr>
+          <p:nvPr>
+            <p:ph type="sldNum" sz="quarter" idx="10"/>
+          </p:nvPr>
+        </p:nvSpPr>
+        <p:spPr/>
+        <p:txBody>
+          <a:bodyPr/>
+          <a:lstStyle/>
+          <a:p>
+            <a:pPr>
+              <a:defRPr/>
+            </a:pPr>
+            <a:fld id="{3BEB2E47-3EB2-7B4C-8CBB-96C276A0FE3D}" type="slidenum">
+              <a:rPr lang="en-US" smtClean="0"/>
+              <a:pPr>
+                <a:defRPr/>
+              </a:pPr>
+              <a:t>2</a:t>
+            </a:fld>
+            <a:r>
+              <a:rPr lang="en-US" smtClean="0"/>
+              <a:t> |</a:t>
+            </a:r>
+            <a:endParaRPr lang="en-US" dirty="0"/>
+          </a:p>
+        </p:txBody>
+      </p:sp>
+      <p:sp>
+        <p:nvSpPr>
+          <p:cNvPr id="5" name="Footer Placeholder 4"/>
+          <p:cNvSpPr>
+            <a:spLocks noGrp="1"/>
+          </p:cNvSpPr>
+          <p:nvPr>
+            <p:ph type="ftr" sz="quarter" idx="11"/>
+          </p:nvPr>
+        </p:nvSpPr>
+        <p:spPr/>
+        <p:txBody>
+          <a:bodyPr/>
+          <a:lstStyle/>
+          <a:p>
+            <a:pPr>
+              <a:defRPr/>
+            </a:pPr>
+            <a:r>
+              <a:rPr lang="en-US" smtClean="0"/>
+              <a:t>Confidential</a:t>
+            </a:r>
+            <a:endParaRPr lang="en-US" dirty="0"/>
+          </a:p>
+        </p:txBody>
+      </p:sp>
+      <p:pic>
+        <p:nvPicPr>
+          <p:cNvPr id="6" name="Picture 5" descr="events.png"/>
+          <p:cNvPicPr>
+            <a:picLocks noChangeAspect="1"/>
+          </p:cNvPicPr>
+          <p:nvPr/>
+        </p:nvPicPr>
+        <p:blipFill>
+          <a:blip r:embed="rId2">
+            <a:extLst>
+              <a:ext uri="{28A0092B-C50C-407E-A947-70E740481C1C}">
+                <a14:useLocalDpi xmlns:a14="http://schemas.microsoft.com/office/drawing/2010/main" val="0"/>
+              </a:ext>
+            </a:extLst>
+          </a:blip>
+          <a:stretch>
+            <a:fillRect/>
+          </a:stretch>
+        </p:blipFill>
         <p:spPr>
           <a:xfrm>
-            <a:off x="541346" y="1911090"/>
-            <a:ext cx="15877477" cy="7060998"/>
+            <a:off x="7288001" y="2520043"/>
+            <a:ext cx="5973559" cy="6598140"/>
           </a:xfrm>
           <a:prstGeom prst="rect">
             <a:avLst/>
           </a:prstGeom>
         </p:spPr>
+      </p:pic>
+    </p:spTree>
+    <p:extLst>
+      <p:ext uri="{BB962C8B-B14F-4D97-AF65-F5344CB8AC3E}">
+        <p14:creationId xmlns:p14="http://schemas.microsoft.com/office/powerpoint/2010/main" val="789004058"/>
+      </p:ext>
+    </p:extLst>
+  </p:cSld>
+  <p:clrMapOvr>
+    <a:masterClrMapping/>
+  </p:clrMapOvr>
+</p:sld>
+</file>
+
+<file path=ppt/slides/slide3.xml><?xml version="1.0" encoding="utf-8"?>
+<p:sld xmlns:a="http://schemas.openxmlformats.org/drawingml/2006/main" xmlns:r="http://schemas.openxmlformats.org/officeDocument/2006/relationships" xmlns:p="http://schemas.openxmlformats.org/presentationml/2006/main">
+  <p:cSld>
+    <p:spTree>
+      <p:nvGrpSpPr>
+        <p:cNvPr id="1" name=""/>
+        <p:cNvGrpSpPr/>
+        <p:nvPr/>
+      </p:nvGrpSpPr>
+      <p:grpSpPr>
+        <a:xfrm>
+          <a:off x="0" y="0"/>
+          <a:ext cx="0" cy="0"/>
+          <a:chOff x="0" y="0"/>
+          <a:chExt cx="0" cy="0"/>
+        </a:xfrm>
+      </p:grpSpPr>
+      <p:sp>
+        <p:nvSpPr>
+          <p:cNvPr id="2" name="Title 1"/>
+          <p:cNvSpPr>
+            <a:spLocks noGrp="1"/>
+          </p:cNvSpPr>
+          <p:nvPr>
+            <p:ph type="title"/>
+          </p:nvPr>
+        </p:nvSpPr>
+        <p:spPr/>
+        <p:txBody>
+          <a:bodyPr/>
+          <a:lstStyle/>
+          <a:p>
+            <a:r>
+              <a:rPr lang="en-US" dirty="0" smtClean="0"/>
+              <a:t>event listeners</a:t>
+            </a:r>
+            <a:endParaRPr lang="en-US" dirty="0"/>
+          </a:p>
+        </p:txBody>
+      </p:sp>
+      <p:sp>
+        <p:nvSpPr>
+          <p:cNvPr id="3" name="Content Placeholder 2"/>
+          <p:cNvSpPr>
+            <a:spLocks noGrp="1"/>
+          </p:cNvSpPr>
+          <p:nvPr>
+            <p:ph idx="1"/>
+          </p:nvPr>
+        </p:nvSpPr>
+        <p:spPr/>
+        <p:txBody>
+          <a:bodyPr/>
+          <a:lstStyle/>
+          <a:p>
+            <a:r>
+              <a:rPr lang="en-US" sz="3200" dirty="0" smtClean="0"/>
+              <a:t>Setup a function to be called when an event is dispatched</a:t>
+            </a:r>
+          </a:p>
+          <a:p>
+            <a:r>
+              <a:rPr lang="en-US" sz="3200" dirty="0" smtClean="0"/>
+              <a:t>Use the </a:t>
+            </a:r>
+            <a:r>
+              <a:rPr lang="en-US" sz="3200" dirty="0" err="1" smtClean="0">
+                <a:latin typeface="Source Code Pro"/>
+                <a:cs typeface="Source Code Pro"/>
+              </a:rPr>
+              <a:t>addEventListener</a:t>
+            </a:r>
+            <a:r>
+              <a:rPr lang="en-US" sz="3200" dirty="0" smtClean="0">
+                <a:latin typeface="Source Code Pro"/>
+                <a:cs typeface="Source Code Pro"/>
+              </a:rPr>
+              <a:t>(</a:t>
+            </a:r>
+            <a:r>
+              <a:rPr lang="en-US" sz="3200" dirty="0" err="1" smtClean="0">
+                <a:latin typeface="Source Code Pro"/>
+                <a:cs typeface="Source Code Pro"/>
+              </a:rPr>
+              <a:t>event,eventHandlerFunction</a:t>
+            </a:r>
+            <a:r>
+              <a:rPr lang="en-US" sz="3200" dirty="0" smtClean="0">
+                <a:latin typeface="Source Code Pro"/>
+                <a:cs typeface="Source Code Pro"/>
+              </a:rPr>
+              <a:t>)</a:t>
+            </a:r>
+            <a:r>
+              <a:rPr lang="en-US" sz="3200" dirty="0" smtClean="0"/>
+              <a:t> method to assign a function to an event</a:t>
+            </a:r>
+          </a:p>
+          <a:p>
+            <a:r>
+              <a:rPr lang="en-US" sz="3200" dirty="0" smtClean="0"/>
+              <a:t>Can also remove event listeners using the </a:t>
+            </a:r>
+            <a:r>
+              <a:rPr lang="en-US" sz="3200" dirty="0" err="1" smtClean="0">
+                <a:latin typeface="Source Code Pro"/>
+                <a:cs typeface="Source Code Pro"/>
+              </a:rPr>
+              <a:t>removeEventListener</a:t>
+            </a:r>
+            <a:r>
+              <a:rPr lang="en-US" sz="3200" dirty="0">
+                <a:latin typeface="Source Code Pro"/>
+                <a:cs typeface="Source Code Pro"/>
+              </a:rPr>
+              <a:t>(</a:t>
+            </a:r>
+            <a:r>
+              <a:rPr lang="en-US" sz="3200" dirty="0" err="1">
+                <a:latin typeface="Source Code Pro"/>
+                <a:cs typeface="Source Code Pro"/>
+              </a:rPr>
+              <a:t>event,eventHandlerFunction</a:t>
+            </a:r>
+            <a:r>
+              <a:rPr lang="en-US" sz="3200" dirty="0" smtClean="0">
+                <a:latin typeface="Source Code Pro"/>
+                <a:cs typeface="Source Code Pro"/>
+              </a:rPr>
+              <a:t>) </a:t>
+            </a:r>
+            <a:r>
+              <a:rPr lang="en-US" sz="3200" dirty="0" smtClean="0"/>
+              <a:t>method</a:t>
+            </a:r>
+            <a:endParaRPr lang="en-US" sz="3200" dirty="0"/>
+          </a:p>
+        </p:txBody>
+      </p:sp>
+      <p:sp>
+        <p:nvSpPr>
+          <p:cNvPr id="4" name="Slide Number Placeholder 3"/>
+          <p:cNvSpPr>
+            <a:spLocks noGrp="1"/>
+          </p:cNvSpPr>
+          <p:nvPr>
+            <p:ph type="sldNum" sz="quarter" idx="10"/>
+          </p:nvPr>
+        </p:nvSpPr>
+        <p:spPr/>
+        <p:txBody>
+          <a:bodyPr/>
+          <a:lstStyle/>
+          <a:p>
+            <a:pPr>
+              <a:defRPr/>
+            </a:pPr>
+            <a:fld id="{3BEB2E47-3EB2-7B4C-8CBB-96C276A0FE3D}" type="slidenum">
+              <a:rPr lang="en-US" smtClean="0"/>
+              <a:pPr>
+                <a:defRPr/>
+              </a:pPr>
+              <a:t>3</a:t>
+            </a:fld>
+            <a:r>
+              <a:rPr lang="en-US" smtClean="0"/>
+              <a:t> |</a:t>
+            </a:r>
+            <a:endParaRPr lang="en-US" dirty="0"/>
+          </a:p>
+        </p:txBody>
+      </p:sp>
+      <p:sp>
+        <p:nvSpPr>
+          <p:cNvPr id="5" name="Footer Placeholder 4"/>
+          <p:cNvSpPr>
+            <a:spLocks noGrp="1"/>
+          </p:cNvSpPr>
+          <p:nvPr>
+            <p:ph type="ftr" sz="quarter" idx="11"/>
+          </p:nvPr>
+        </p:nvSpPr>
+        <p:spPr/>
+        <p:txBody>
+          <a:bodyPr/>
+          <a:lstStyle/>
+          <a:p>
+            <a:pPr>
+              <a:defRPr/>
+            </a:pPr>
+            <a:r>
+              <a:rPr lang="en-US" smtClean="0"/>
+              <a:t>Confidential</a:t>
+            </a:r>
+            <a:endParaRPr lang="en-US" dirty="0"/>
+          </a:p>
+        </p:txBody>
+      </p:sp>
+    </p:spTree>
+    <p:extLst>
+      <p:ext uri="{BB962C8B-B14F-4D97-AF65-F5344CB8AC3E}">
+        <p14:creationId xmlns:p14="http://schemas.microsoft.com/office/powerpoint/2010/main" val="3869321658"/>
+      </p:ext>
+    </p:extLst>
+  </p:cSld>
+  <p:clrMapOvr>
+    <a:masterClrMapping/>
+  </p:clrMapOvr>
+</p:sld>
+</file>
+
+<file path=ppt/slides/slide4.xml><?xml version="1.0" encoding="utf-8"?>
+<p:sld xmlns:a="http://schemas.openxmlformats.org/drawingml/2006/main" xmlns:r="http://schemas.openxmlformats.org/officeDocument/2006/relationships" xmlns:p="http://schemas.openxmlformats.org/presentationml/2006/main">
+  <p:cSld>
+    <p:spTree>
+      <p:nvGrpSpPr>
+        <p:cNvPr id="1" name=""/>
+        <p:cNvGrpSpPr/>
+        <p:nvPr/>
+      </p:nvGrpSpPr>
+      <p:grpSpPr>
+        <a:xfrm>
+          <a:off x="0" y="0"/>
+          <a:ext cx="0" cy="0"/>
+          <a:chOff x="0" y="0"/>
+          <a:chExt cx="0" cy="0"/>
+        </a:xfrm>
+      </p:grpSpPr>
+      <p:sp>
+        <p:nvSpPr>
+          <p:cNvPr id="92164" name="Rectangle 3"/>
+          <p:cNvSpPr>
+            <a:spLocks noGrp="1" noChangeArrowheads="1"/>
+          </p:cNvSpPr>
+          <p:nvPr>
+            <p:ph idx="1"/>
+          </p:nvPr>
+        </p:nvSpPr>
+        <p:spPr>
+          <a:xfrm>
+            <a:off x="541346" y="1415143"/>
+            <a:ext cx="15877477" cy="7556945"/>
+          </a:xfrm>
+          <a:prstGeom prst="rect">
+            <a:avLst/>
+          </a:prstGeom>
+        </p:spPr>
         <p:txBody>
           <a:bodyPr>
-            <a:normAutofit fontScale="92500"/>
+            <a:normAutofit lnSpcReduction="10000"/>
           </a:bodyPr>
           <a:lstStyle/>
           <a:p>
@@ -5246,6 +5630,9 @@
             </a:r>
             <a:r>
               <a:rPr lang="en-US" b="1" dirty="0" smtClean="0">
+                <a:solidFill>
+                  <a:srgbClr val="FF0000"/>
+                </a:solidFill>
                 <a:latin typeface="Source Code Pro"/>
                 <a:cs typeface="Source Code Pro"/>
               </a:rPr>
@@ -5318,6 +5705,9 @@
             </a:r>
             <a:r>
               <a:rPr lang="en-US" b="1" dirty="0" err="1" smtClean="0">
+                <a:solidFill>
+                  <a:srgbClr val="FF0000"/>
+                </a:solidFill>
                 <a:latin typeface="Source Code Pro"/>
                 <a:cs typeface="Source Code Pro"/>
               </a:rPr>
@@ -5374,7 +5764,24 @@
                 <a:latin typeface="Source Code Pro"/>
                 <a:cs typeface="Source Code Pro"/>
               </a:rPr>
-              <a:t>var onProgress = </a:t>
+              <a:t>var </a:t>
+            </a:r>
+            <a:r>
+              <a:rPr lang="en-US" dirty="0" smtClean="0">
+                <a:solidFill>
+                  <a:srgbClr val="FF0000"/>
+                </a:solidFill>
+                <a:latin typeface="Source Code Pro"/>
+                <a:cs typeface="Source Code Pro"/>
+              </a:rPr>
+              <a:t>onProgress</a:t>
+            </a:r>
+            <a:r>
+              <a:rPr lang="en-US" dirty="0" smtClean="0">
+                <a:latin typeface="Source Code Pro"/>
+                <a:cs typeface="Source Code Pro"/>
+              </a:rPr>
+              <a:t> = </a:t>
             </a:r>
             <a:r>
               <a:rPr lang="en-US" dirty="0">
@@ -5489,6 +5896,9 @@
             </a:r>
             <a:r>
               <a:rPr lang="en-US" dirty="0" err="1" smtClean="0">
+                <a:solidFill>
+                  <a:srgbClr val="FF0000"/>
+                </a:solidFill>
                 <a:latin typeface="Source Code Pro"/>
                 <a:cs typeface="Source Code Pro"/>
               </a:rPr>
@@ -5496,6 +5906,9 @@
             </a:r>
             <a:r>
               <a:rPr lang="en-US" dirty="0" smtClean="0">
+                <a:solidFill>
+                  <a:srgbClr val="FF0000"/>
+                </a:solidFill>
                 <a:latin typeface="Source Code Pro"/>
                 <a:cs typeface="Source Code Pro"/>
               </a:rPr>
@@ -5605,17 +6018,15 @@
                 <a:latin typeface="Source Code Pro"/>
                 <a:cs typeface="Source Code Pro"/>
               </a:rPr>
-              <a:t>};</a:t>
-            </a:r>
-          </a:p>
-          <a:p>
-            <a:pPr>
-              <a:lnSpc>
-                <a:spcPct val="120000"/>
-              </a:lnSpc>
-              <a:buNone/>
-              <a:defRPr/>
-            </a:pPr>
+              <a:t>}</a:t>
+            </a:r>
+            <a:r>
+              <a:rPr lang="en-US" dirty="0" smtClean="0">
+                <a:latin typeface="Source Code Pro"/>
+                <a:cs typeface="Source Code Pro"/>
+              </a:rPr>
+              <a:t>;</a:t>
+            </a:r>
             <a:endParaRPr lang="en-US" dirty="0">
               <a:latin typeface="Source Code Pro"/>
               <a:cs typeface="Source Code Pro"/>
@@ -5664,7 +6075,7 @@
               <a:pPr eaLnBrk="0" hangingPunct="0">
                 <a:defRPr/>
               </a:pPr>
-              <a:t>2</a:t>
+              <a:t>4</a:t>
             </a:fld>
             <a:endParaRPr lang="en-US" sz="1500" b="1" dirty="0">
               <a:solidFill>
@@ -5698,8 +6109,13 @@
             <a:pPr eaLnBrk="1" hangingPunct="1"/>
             <a:r>
               <a:rPr lang="en-US" dirty="0" smtClean="0"/>
-              <a:t>Event Listeners</a:t>
-            </a:r>
+              <a:t>Event </a:t>
+            </a:r>
+            <a:r>
+              <a:rPr lang="en-US" dirty="0" smtClean="0"/>
+              <a:t>Listener Examples</a:t>
+            </a:r>
+            <a:endParaRPr lang="en-US" dirty="0" smtClean="0"/>
           </a:p>
         </p:txBody>
       </p:sp>
@@ -5726,7 +6142,7 @@
 </p:sld>
 </file>
 
-<file path=ppt/slides/slide3.xml><?xml version="1.0" encoding="utf-8"?>
+<file path=ppt/slides/slide5.xml><?xml version="1.0" encoding="utf-8"?>
 <p:sld xmlns:a="http://schemas.openxmlformats.org/drawingml/2006/main" xmlns:r="http://schemas.openxmlformats.org/officeDocument/2006/relationships" xmlns:p="http://schemas.openxmlformats.org/presentationml/2006/main">
   <p:cSld>
     <p:spTree>
@@ -5755,8 +6171,8 @@
         </p:nvSpPr>
         <p:spPr>
           <a:xfrm>
-            <a:off x="541346" y="1911090"/>
-            <a:ext cx="15877477" cy="7060998"/>
+            <a:off x="541346" y="1487714"/>
+            <a:ext cx="15877477" cy="7484374"/>
           </a:xfrm>
           <a:prstGeom prst="rect">
             <a:avLst/>
@@ -5764,7 +6180,7 @@
         </p:spPr>
         <p:txBody>
           <a:bodyPr>
-            <a:normAutofit lnSpcReduction="10000"/>
+            <a:normAutofit/>
           </a:bodyPr>
           <a:lstStyle/>
           <a:p>
@@ -5938,6 +6354,9 @@
             </a:r>
             <a:r>
               <a:rPr lang="en-US" dirty="0" smtClean="0">
+                <a:solidFill>
+                  <a:srgbClr val="3366FF"/>
+                </a:solidFill>
                 <a:latin typeface="Source Code Pro"/>
                 <a:cs typeface="Source Code Pro"/>
               </a:rPr>
@@ -5987,7 +6406,24 @@
                 <a:latin typeface="Source Code Pro"/>
                 <a:cs typeface="Source Code Pro"/>
               </a:rPr>
-              <a:t>var onProgress = </a:t>
+              <a:t>var </a:t>
+            </a:r>
+            <a:r>
+              <a:rPr lang="en-US" b="1" dirty="0" smtClean="0">
+                <a:solidFill>
+                  <a:srgbClr val="3366FF"/>
+                </a:solidFill>
+                <a:latin typeface="Source Code Pro"/>
+                <a:cs typeface="Source Code Pro"/>
+              </a:rPr>
+              <a:t>onProgress</a:t>
+            </a:r>
+            <a:r>
+              <a:rPr lang="en-US" b="1" dirty="0" smtClean="0">
+                <a:latin typeface="Source Code Pro"/>
+                <a:cs typeface="Source Code Pro"/>
+              </a:rPr>
+              <a:t> = </a:t>
             </a:r>
             <a:r>
               <a:rPr lang="en-US" b="1" dirty="0">
@@ -6203,7 +6639,7 @@
               <a:pPr eaLnBrk="0" hangingPunct="0">
                 <a:defRPr/>
               </a:pPr>
-              <a:t>3</a:t>
+              <a:t>5</a:t>
             </a:fld>
             <a:endParaRPr lang="en-US" sz="1500" b="1" dirty="0">
               <a:solidFill>
@@ -6265,7 +6701,7 @@
 </p:sld>
 </file>
 
-<file path=ppt/slides/slide4.xml><?xml version="1.0" encoding="utf-8"?>
+<file path=ppt/slides/slide6.xml><?xml version="1.0" encoding="utf-8"?>
 <p:sld xmlns:a="http://schemas.openxmlformats.org/drawingml/2006/main" xmlns:r="http://schemas.openxmlformats.org/officeDocument/2006/relationships" xmlns:p="http://schemas.openxmlformats.org/presentationml/2006/main">
   <p:cSld>
     <p:spTree>
@@ -6358,7 +6794,7 @@
               <a:pPr>
                 <a:defRPr/>
               </a:pPr>
-              <a:t>4</a:t>
+              <a:t>6</a:t>
             </a:fld>
             <a:endParaRPr lang="en-US" dirty="0"/>
           </a:p>

--- a/VideoSessionsMaterials/v9-event-listeners.pptx
+++ b/VideoSessionsMaterials/v9-event-listeners.pptx
@@ -228,7 +228,7 @@
             <a:fld id="{DDC063FE-8627-9A42-970F-0BBEEB02B587}" type="datetimeFigureOut">
               <a:rPr lang="en-US" smtClean="0"/>
               <a:pPr/>
-              <a:t>11/26/13</a:t>
+              <a:t>11/29/13</a:t>
             </a:fld>
             <a:endParaRPr lang="en-US" dirty="0"/>
           </a:p>
@@ -516,6 +516,91 @@
       </p:grpSpPr>
       <p:sp>
         <p:nvSpPr>
+          <p:cNvPr id="2" name="Slide Image Placeholder 1"/>
+          <p:cNvSpPr>
+            <a:spLocks noGrp="1" noRot="1" noChangeAspect="1"/>
+          </p:cNvSpPr>
+          <p:nvPr>
+            <p:ph type="sldImg"/>
+          </p:nvPr>
+        </p:nvSpPr>
+        <p:spPr/>
+      </p:sp>
+      <p:sp>
+        <p:nvSpPr>
+          <p:cNvPr id="3" name="Notes Placeholder 2"/>
+          <p:cNvSpPr>
+            <a:spLocks noGrp="1"/>
+          </p:cNvSpPr>
+          <p:nvPr>
+            <p:ph type="body" idx="1"/>
+          </p:nvPr>
+        </p:nvSpPr>
+        <p:spPr/>
+        <p:txBody>
+          <a:bodyPr/>
+          <a:lstStyle/>
+          <a:p>
+            <a:endParaRPr lang="en-US"/>
+          </a:p>
+        </p:txBody>
+      </p:sp>
+      <p:sp>
+        <p:nvSpPr>
+          <p:cNvPr id="4" name="Slide Number Placeholder 3"/>
+          <p:cNvSpPr>
+            <a:spLocks noGrp="1"/>
+          </p:cNvSpPr>
+          <p:nvPr>
+            <p:ph type="sldNum" sz="quarter" idx="10"/>
+          </p:nvPr>
+        </p:nvSpPr>
+        <p:spPr/>
+        <p:txBody>
+          <a:bodyPr/>
+          <a:lstStyle/>
+          <a:p>
+            <a:fld id="{3560C2FB-C494-1A46-A471-884A4E75440F}" type="slidenum">
+              <a:rPr lang="en-US" smtClean="0"/>
+              <a:pPr/>
+              <a:t>1</a:t>
+            </a:fld>
+            <a:endParaRPr lang="en-US" dirty="0"/>
+          </a:p>
+        </p:txBody>
+      </p:sp>
+    </p:spTree>
+    <p:extLst>
+      <p:ext uri="{BB962C8B-B14F-4D97-AF65-F5344CB8AC3E}">
+        <p14:creationId xmlns:p14="http://schemas.microsoft.com/office/powerpoint/2010/main" val="1963667654"/>
+      </p:ext>
+    </p:extLst>
+  </p:cSld>
+  <p:clrMapOvr>
+    <a:masterClrMapping/>
+  </p:clrMapOvr>
+</p:notes>
+</file>
+
+<file path=ppt/notesSlides/notesSlide2.xml><?xml version="1.0" encoding="utf-8"?>
+<p:notes xmlns:a="http://schemas.openxmlformats.org/drawingml/2006/main" xmlns:r="http://schemas.openxmlformats.org/officeDocument/2006/relationships" xmlns:p="http://schemas.openxmlformats.org/presentationml/2006/main">
+  <p:cSld>
+    <p:spTree>
+      <p:nvGrpSpPr>
+        <p:cNvPr id="1" name=""/>
+        <p:cNvGrpSpPr/>
+        <p:nvPr/>
+      </p:nvGrpSpPr>
+      <p:grpSpPr>
+        <a:xfrm>
+          <a:off x="0" y="0"/>
+          <a:ext cx="0" cy="0"/>
+          <a:chOff x="0" y="0"/>
+          <a:chExt cx="0" cy="0"/>
+        </a:xfrm>
+      </p:grpSpPr>
+      <p:sp>
+        <p:nvSpPr>
           <p:cNvPr id="293889" name="Rectangle 7"/>
           <p:cNvSpPr txBox="1">
             <a:spLocks noGrp="1" noChangeArrowheads="1"/>
@@ -608,7 +693,7 @@
 </p:notes>
 </file>
 
-<file path=ppt/notesSlides/notesSlide2.xml><?xml version="1.0" encoding="utf-8"?>
+<file path=ppt/notesSlides/notesSlide3.xml><?xml version="1.0" encoding="utf-8"?>
 <p:notes xmlns:a="http://schemas.openxmlformats.org/drawingml/2006/main" xmlns:r="http://schemas.openxmlformats.org/officeDocument/2006/relationships" xmlns:p="http://schemas.openxmlformats.org/presentationml/2006/main">
   <p:cSld>
     <p:spTree>
@@ -5093,7 +5178,19 @@
           <a:p>
             <a:r>
               <a:rPr lang="en-US" sz="3200" dirty="0" smtClean="0"/>
-              <a:t>Events simply indicate the video has done something</a:t>
+              <a:t>Medi</a:t>
+            </a:r>
+            <a:r>
+              <a:rPr lang="en-US" sz="3200" dirty="0" smtClean="0"/>
+              <a:t>a </a:t>
+            </a:r>
+            <a:r>
+              <a:rPr lang="en-US" sz="3200" dirty="0" smtClean="0"/>
+              <a:t>events </a:t>
+            </a:r>
+            <a:r>
+              <a:rPr lang="en-US" sz="3200" dirty="0" smtClean="0"/>
+              <a:t>simply indicate the video has done something</a:t>
             </a:r>
           </a:p>
           <a:p>
@@ -5130,36 +5227,6 @@
               </a:pPr>
               <a:t>2</a:t>
             </a:fld>
-            <a:r>
-              <a:rPr lang="en-US" smtClean="0"/>
-              <a:t> |</a:t>
-            </a:r>
-            <a:endParaRPr lang="en-US" dirty="0"/>
-          </a:p>
-        </p:txBody>
-      </p:sp>
-      <p:sp>
-        <p:nvSpPr>
-          <p:cNvPr id="5" name="Footer Placeholder 4"/>
-          <p:cNvSpPr>
-            <a:spLocks noGrp="1"/>
-          </p:cNvSpPr>
-          <p:nvPr>
-            <p:ph type="ftr" sz="quarter" idx="11"/>
-          </p:nvPr>
-        </p:nvSpPr>
-        <p:spPr/>
-        <p:txBody>
-          <a:bodyPr/>
-          <a:lstStyle/>
-          <a:p>
-            <a:pPr>
-              <a:defRPr/>
-            </a:pPr>
-            <a:r>
-              <a:rPr lang="en-US" smtClean="0"/>
-              <a:t>Confidential</a:t>
-            </a:r>
             <a:endParaRPr lang="en-US" dirty="0"/>
           </a:p>
         </p:txBody>
@@ -5204,6 +5271,13 @@
   <p:clrMapOvr>
     <a:masterClrMapping/>
   </p:clrMapOvr>
+  <p:timing>
+    <p:tnLst>
+      <p:par>
+        <p:cTn xmlns:p14="http://schemas.microsoft.com/office/powerpoint/2010/main" id="1" dur="indefinite" restart="never" nodeType="tmRoot"/>
+      </p:par>
+    </p:tnLst>
+  </p:timing>
 </p:sld>
 </file>
 
@@ -5342,6 +5416,13 @@
               <a:rPr lang="en-US" sz="3200" dirty="0" smtClean="0"/>
               <a:t>method</a:t>
             </a:r>
+          </a:p>
+          <a:p>
+            <a:pPr lvl="1"/>
+            <a:r>
+              <a:rPr lang="en-US" sz="3200" dirty="0" smtClean="0"/>
+              <a:t>It is a best practice to remove event listeners that are no longer needed</a:t>
+            </a:r>
             <a:endParaRPr lang="en-US" sz="3200" dirty="0"/>
           </a:p>
         </p:txBody>
@@ -5372,34 +5453,8 @@
               <a:t>3</a:t>
             </a:fld>
             <a:r>
-              <a:rPr lang="en-US" smtClean="0"/>
-              <a:t> |</a:t>
-            </a:r>
-            <a:endParaRPr lang="en-US" dirty="0"/>
-          </a:p>
-        </p:txBody>
-      </p:sp>
-      <p:sp>
-        <p:nvSpPr>
-          <p:cNvPr id="5" name="Footer Placeholder 4"/>
-          <p:cNvSpPr>
-            <a:spLocks noGrp="1"/>
-          </p:cNvSpPr>
-          <p:nvPr>
-            <p:ph type="ftr" sz="quarter" idx="11"/>
-          </p:nvPr>
-        </p:nvSpPr>
-        <p:spPr/>
-        <p:txBody>
-          <a:bodyPr/>
-          <a:lstStyle/>
-          <a:p>
-            <a:pPr>
-              <a:defRPr/>
-            </a:pPr>
-            <a:r>
-              <a:rPr lang="en-US" smtClean="0"/>
-              <a:t>Confidential</a:t>
+              <a:rPr lang="en-US" dirty="0" smtClean="0"/>
+              <a:t> </a:t>
             </a:r>
             <a:endParaRPr lang="en-US" dirty="0"/>
           </a:p>
@@ -5415,6 +5470,13 @@
   <p:clrMapOvr>
     <a:masterClrMapping/>
   </p:clrMapOvr>
+  <p:timing>
+    <p:tnLst>
+      <p:par>
+        <p:cTn xmlns:p14="http://schemas.microsoft.com/office/powerpoint/2010/main" id="1" dur="indefinite" restart="never" nodeType="tmRoot"/>
+      </p:par>
+    </p:tnLst>
+  </p:timing>
 </p:sld>
 </file>
 
@@ -6109,13 +6171,8 @@
             <a:pPr eaLnBrk="1" hangingPunct="1"/>
             <a:r>
               <a:rPr lang="en-US" dirty="0" smtClean="0"/>
-              <a:t>Event </a:t>
-            </a:r>
-            <a:r>
-              <a:rPr lang="en-US" dirty="0" smtClean="0"/>
-              <a:t>Listener Examples</a:t>
-            </a:r>
-            <a:endParaRPr lang="en-US" dirty="0" smtClean="0"/>
+              <a:t>Event Listener Examples</a:t>
+            </a:r>
           </a:p>
         </p:txBody>
       </p:sp>

--- a/VideoSessionsMaterials/v9-event-listeners.pptx
+++ b/VideoSessionsMaterials/v9-event-listeners.pptx
@@ -5,7 +5,7 @@
     <p:sldMasterId id="2147483648" r:id="rId1"/>
   </p:sldMasterIdLst>
   <p:notesMasterIdLst>
-    <p:notesMasterId r:id="rId8"/>
+    <p:notesMasterId r:id="rId9"/>
   </p:notesMasterIdLst>
   <p:sldIdLst>
     <p:sldId id="277" r:id="rId2"/>
@@ -13,7 +13,8 @@
     <p:sldId id="371" r:id="rId4"/>
     <p:sldId id="341" r:id="rId5"/>
     <p:sldId id="369" r:id="rId6"/>
-    <p:sldId id="322" r:id="rId7"/>
+    <p:sldId id="372" r:id="rId7"/>
+    <p:sldId id="322" r:id="rId8"/>
   </p:sldIdLst>
   <p:sldSz cx="17327563" cy="9747250"/>
   <p:notesSz cx="6858000" cy="9144000"/>
@@ -228,7 +229,7 @@
             <a:fld id="{DDC063FE-8627-9A42-970F-0BBEEB02B587}" type="datetimeFigureOut">
               <a:rPr lang="en-US" smtClean="0"/>
               <a:pPr/>
-              <a:t>11/29/13</a:t>
+              <a:t>12/2/13</a:t>
             </a:fld>
             <a:endParaRPr lang="en-US" dirty="0"/>
           </a:p>
@@ -601,91 +602,65 @@
       </p:grpSpPr>
       <p:sp>
         <p:nvSpPr>
-          <p:cNvPr id="293889" name="Rectangle 7"/>
-          <p:cNvSpPr txBox="1">
-            <a:spLocks noGrp="1" noChangeArrowheads="1"/>
-          </p:cNvSpPr>
-          <p:nvPr/>
-        </p:nvSpPr>
-        <p:spPr bwMode="auto">
-          <a:xfrm>
-            <a:off x="3886200" y="8686489"/>
-            <a:ext cx="2971800" cy="457512"/>
-          </a:xfrm>
-          <a:prstGeom prst="rect">
-            <a:avLst/>
-          </a:prstGeom>
-          <a:noFill/>
-          <a:ln>
-            <a:miter lim="800000"/>
-            <a:headEnd/>
-            <a:tailEnd/>
-          </a:ln>
-        </p:spPr>
-        <p:txBody>
-          <a:bodyPr anchor="b"/>
-          <a:lstStyle/>
-          <a:p>
-            <a:pPr algn="r" eaLnBrk="0" hangingPunct="0">
-              <a:defRPr/>
-            </a:pPr>
-            <a:fld id="{4EE2F668-5944-4112-AF4B-50C7ED0A36AC}" type="slidenum">
-              <a:rPr lang="en-US" sz="1200">
-                <a:ea typeface="ＭＳ Ｐゴシック" pitchFamily="34" charset="-128"/>
-                <a:cs typeface="+mn-cs"/>
-              </a:rPr>
-              <a:pPr algn="r" eaLnBrk="0" hangingPunct="0">
-                <a:defRPr/>
-              </a:pPr>
-              <a:t>4</a:t>
-            </a:fld>
-            <a:endParaRPr lang="en-US" sz="1200" dirty="0">
-              <a:ea typeface="ＭＳ Ｐゴシック" pitchFamily="34" charset="-128"/>
-              <a:cs typeface="+mn-cs"/>
-            </a:endParaRPr>
-          </a:p>
-        </p:txBody>
-      </p:sp>
-      <p:sp>
-        <p:nvSpPr>
-          <p:cNvPr id="93186" name="Rectangle 2"/>
-          <p:cNvSpPr>
-            <a:spLocks noGrp="1" noRot="1" noChangeAspect="1" noChangeArrowheads="1" noTextEdit="1"/>
+          <p:cNvPr id="2" name="Slide Image Placeholder 1"/>
+          <p:cNvSpPr>
+            <a:spLocks noGrp="1" noRot="1" noChangeAspect="1"/>
           </p:cNvSpPr>
           <p:nvPr>
             <p:ph type="sldImg"/>
           </p:nvPr>
         </p:nvSpPr>
-        <p:spPr>
-          <a:ln/>
-        </p:spPr>
-      </p:sp>
-      <p:sp>
-        <p:nvSpPr>
-          <p:cNvPr id="93187" name="Rectangle 3"/>
-          <p:cNvSpPr>
-            <a:spLocks noGrp="1" noChangeArrowheads="1"/>
+        <p:spPr/>
+      </p:sp>
+      <p:sp>
+        <p:nvSpPr>
+          <p:cNvPr id="3" name="Notes Placeholder 2"/>
+          <p:cNvSpPr>
+            <a:spLocks noGrp="1"/>
           </p:cNvSpPr>
           <p:nvPr>
             <p:ph type="body" idx="1"/>
           </p:nvPr>
         </p:nvSpPr>
-        <p:spPr>
-          <a:noFill/>
-          <a:ln/>
-        </p:spPr>
+        <p:spPr/>
         <p:txBody>
           <a:bodyPr/>
           <a:lstStyle/>
           <a:p>
-            <a:pPr eaLnBrk="1" hangingPunct="1"/>
-            <a:endParaRPr lang="en-US" dirty="0" smtClean="0">
-              <a:ea typeface="ＭＳ Ｐゴシック"/>
-            </a:endParaRPr>
+            <a:endParaRPr lang="en-US"/>
+          </a:p>
+        </p:txBody>
+      </p:sp>
+      <p:sp>
+        <p:nvSpPr>
+          <p:cNvPr id="4" name="Slide Number Placeholder 3"/>
+          <p:cNvSpPr>
+            <a:spLocks noGrp="1"/>
+          </p:cNvSpPr>
+          <p:nvPr>
+            <p:ph type="sldNum" sz="quarter" idx="10"/>
+          </p:nvPr>
+        </p:nvSpPr>
+        <p:spPr/>
+        <p:txBody>
+          <a:bodyPr/>
+          <a:lstStyle/>
+          <a:p>
+            <a:fld id="{3560C2FB-C494-1A46-A471-884A4E75440F}" type="slidenum">
+              <a:rPr lang="en-US" smtClean="0"/>
+              <a:pPr/>
+              <a:t>2</a:t>
+            </a:fld>
+            <a:endParaRPr lang="en-US" dirty="0"/>
           </a:p>
         </p:txBody>
       </p:sp>
     </p:spTree>
+    <p:extLst>
+      <p:ext uri="{BB962C8B-B14F-4D97-AF65-F5344CB8AC3E}">
+        <p14:creationId xmlns:p14="http://schemas.microsoft.com/office/powerpoint/2010/main" val="2655112479"/>
+      </p:ext>
+    </p:extLst>
   </p:cSld>
   <p:clrMapOvr>
     <a:masterClrMapping/>
@@ -712,6 +687,91 @@
       </p:grpSpPr>
       <p:sp>
         <p:nvSpPr>
+          <p:cNvPr id="2" name="Slide Image Placeholder 1"/>
+          <p:cNvSpPr>
+            <a:spLocks noGrp="1" noRot="1" noChangeAspect="1"/>
+          </p:cNvSpPr>
+          <p:nvPr>
+            <p:ph type="sldImg"/>
+          </p:nvPr>
+        </p:nvSpPr>
+        <p:spPr/>
+      </p:sp>
+      <p:sp>
+        <p:nvSpPr>
+          <p:cNvPr id="3" name="Notes Placeholder 2"/>
+          <p:cNvSpPr>
+            <a:spLocks noGrp="1"/>
+          </p:cNvSpPr>
+          <p:nvPr>
+            <p:ph type="body" idx="1"/>
+          </p:nvPr>
+        </p:nvSpPr>
+        <p:spPr/>
+        <p:txBody>
+          <a:bodyPr/>
+          <a:lstStyle/>
+          <a:p>
+            <a:endParaRPr lang="en-US"/>
+          </a:p>
+        </p:txBody>
+      </p:sp>
+      <p:sp>
+        <p:nvSpPr>
+          <p:cNvPr id="4" name="Slide Number Placeholder 3"/>
+          <p:cNvSpPr>
+            <a:spLocks noGrp="1"/>
+          </p:cNvSpPr>
+          <p:nvPr>
+            <p:ph type="sldNum" sz="quarter" idx="10"/>
+          </p:nvPr>
+        </p:nvSpPr>
+        <p:spPr/>
+        <p:txBody>
+          <a:bodyPr/>
+          <a:lstStyle/>
+          <a:p>
+            <a:fld id="{3560C2FB-C494-1A46-A471-884A4E75440F}" type="slidenum">
+              <a:rPr lang="en-US" smtClean="0"/>
+              <a:pPr/>
+              <a:t>3</a:t>
+            </a:fld>
+            <a:endParaRPr lang="en-US" dirty="0"/>
+          </a:p>
+        </p:txBody>
+      </p:sp>
+    </p:spTree>
+    <p:extLst>
+      <p:ext uri="{BB962C8B-B14F-4D97-AF65-F5344CB8AC3E}">
+        <p14:creationId xmlns:p14="http://schemas.microsoft.com/office/powerpoint/2010/main" val="2507892389"/>
+      </p:ext>
+    </p:extLst>
+  </p:cSld>
+  <p:clrMapOvr>
+    <a:masterClrMapping/>
+  </p:clrMapOvr>
+</p:notes>
+</file>
+
+<file path=ppt/notesSlides/notesSlide4.xml><?xml version="1.0" encoding="utf-8"?>
+<p:notes xmlns:a="http://schemas.openxmlformats.org/drawingml/2006/main" xmlns:r="http://schemas.openxmlformats.org/officeDocument/2006/relationships" xmlns:p="http://schemas.openxmlformats.org/presentationml/2006/main">
+  <p:cSld>
+    <p:spTree>
+      <p:nvGrpSpPr>
+        <p:cNvPr id="1" name=""/>
+        <p:cNvGrpSpPr/>
+        <p:nvPr/>
+      </p:nvGrpSpPr>
+      <p:grpSpPr>
+        <a:xfrm>
+          <a:off x="0" y="0"/>
+          <a:ext cx="0" cy="0"/>
+          <a:chOff x="0" y="0"/>
+          <a:chExt cx="0" cy="0"/>
+        </a:xfrm>
+      </p:grpSpPr>
+      <p:sp>
+        <p:nvSpPr>
           <p:cNvPr id="293889" name="Rectangle 7"/>
           <p:cNvSpPr txBox="1">
             <a:spLocks noGrp="1" noChangeArrowheads="1"/>
@@ -748,6 +808,117 @@
               <a:pPr algn="r" eaLnBrk="0" hangingPunct="0">
                 <a:defRPr/>
               </a:pPr>
+              <a:t>4</a:t>
+            </a:fld>
+            <a:endParaRPr lang="en-US" sz="1200" dirty="0">
+              <a:ea typeface="ＭＳ Ｐゴシック" pitchFamily="34" charset="-128"/>
+              <a:cs typeface="+mn-cs"/>
+            </a:endParaRPr>
+          </a:p>
+        </p:txBody>
+      </p:sp>
+      <p:sp>
+        <p:nvSpPr>
+          <p:cNvPr id="93186" name="Rectangle 2"/>
+          <p:cNvSpPr>
+            <a:spLocks noGrp="1" noRot="1" noChangeAspect="1" noChangeArrowheads="1" noTextEdit="1"/>
+          </p:cNvSpPr>
+          <p:nvPr>
+            <p:ph type="sldImg"/>
+          </p:nvPr>
+        </p:nvSpPr>
+        <p:spPr>
+          <a:ln/>
+        </p:spPr>
+      </p:sp>
+      <p:sp>
+        <p:nvSpPr>
+          <p:cNvPr id="93187" name="Rectangle 3"/>
+          <p:cNvSpPr>
+            <a:spLocks noGrp="1" noChangeArrowheads="1"/>
+          </p:cNvSpPr>
+          <p:nvPr>
+            <p:ph type="body" idx="1"/>
+          </p:nvPr>
+        </p:nvSpPr>
+        <p:spPr>
+          <a:noFill/>
+          <a:ln/>
+        </p:spPr>
+        <p:txBody>
+          <a:bodyPr/>
+          <a:lstStyle/>
+          <a:p>
+            <a:pPr eaLnBrk="1" hangingPunct="1"/>
+            <a:endParaRPr lang="en-US" dirty="0" smtClean="0">
+              <a:ea typeface="ＭＳ Ｐゴシック"/>
+            </a:endParaRPr>
+          </a:p>
+        </p:txBody>
+      </p:sp>
+    </p:spTree>
+  </p:cSld>
+  <p:clrMapOvr>
+    <a:masterClrMapping/>
+  </p:clrMapOvr>
+</p:notes>
+</file>
+
+<file path=ppt/notesSlides/notesSlide5.xml><?xml version="1.0" encoding="utf-8"?>
+<p:notes xmlns:a="http://schemas.openxmlformats.org/drawingml/2006/main" xmlns:r="http://schemas.openxmlformats.org/officeDocument/2006/relationships" xmlns:p="http://schemas.openxmlformats.org/presentationml/2006/main">
+  <p:cSld>
+    <p:spTree>
+      <p:nvGrpSpPr>
+        <p:cNvPr id="1" name=""/>
+        <p:cNvGrpSpPr/>
+        <p:nvPr/>
+      </p:nvGrpSpPr>
+      <p:grpSpPr>
+        <a:xfrm>
+          <a:off x="0" y="0"/>
+          <a:ext cx="0" cy="0"/>
+          <a:chOff x="0" y="0"/>
+          <a:chExt cx="0" cy="0"/>
+        </a:xfrm>
+      </p:grpSpPr>
+      <p:sp>
+        <p:nvSpPr>
+          <p:cNvPr id="293889" name="Rectangle 7"/>
+          <p:cNvSpPr txBox="1">
+            <a:spLocks noGrp="1" noChangeArrowheads="1"/>
+          </p:cNvSpPr>
+          <p:nvPr/>
+        </p:nvSpPr>
+        <p:spPr bwMode="auto">
+          <a:xfrm>
+            <a:off x="3886200" y="8686489"/>
+            <a:ext cx="2971800" cy="457512"/>
+          </a:xfrm>
+          <a:prstGeom prst="rect">
+            <a:avLst/>
+          </a:prstGeom>
+          <a:noFill/>
+          <a:ln>
+            <a:miter lim="800000"/>
+            <a:headEnd/>
+            <a:tailEnd/>
+          </a:ln>
+        </p:spPr>
+        <p:txBody>
+          <a:bodyPr anchor="b"/>
+          <a:lstStyle/>
+          <a:p>
+            <a:pPr algn="r" eaLnBrk="0" hangingPunct="0">
+              <a:defRPr/>
+            </a:pPr>
+            <a:fld id="{4EE2F668-5944-4112-AF4B-50C7ED0A36AC}" type="slidenum">
+              <a:rPr lang="en-US" sz="1200">
+                <a:ea typeface="ＭＳ Ｐゴシック" pitchFamily="34" charset="-128"/>
+                <a:cs typeface="+mn-cs"/>
+              </a:rPr>
+              <a:pPr algn="r" eaLnBrk="0" hangingPunct="0">
+                <a:defRPr/>
+              </a:pPr>
               <a:t>5</a:t>
             </a:fld>
             <a:endParaRPr lang="en-US" sz="1200" dirty="0">
@@ -797,6 +968,202 @@
         </p:txBody>
       </p:sp>
     </p:spTree>
+  </p:cSld>
+  <p:clrMapOvr>
+    <a:masterClrMapping/>
+  </p:clrMapOvr>
+</p:notes>
+</file>
+
+<file path=ppt/notesSlides/notesSlide6.xml><?xml version="1.0" encoding="utf-8"?>
+<p:notes xmlns:a="http://schemas.openxmlformats.org/drawingml/2006/main" xmlns:r="http://schemas.openxmlformats.org/officeDocument/2006/relationships" xmlns:p="http://schemas.openxmlformats.org/presentationml/2006/main">
+  <p:cSld>
+    <p:spTree>
+      <p:nvGrpSpPr>
+        <p:cNvPr id="1" name=""/>
+        <p:cNvGrpSpPr/>
+        <p:nvPr/>
+      </p:nvGrpSpPr>
+      <p:grpSpPr>
+        <a:xfrm>
+          <a:off x="0" y="0"/>
+          <a:ext cx="0" cy="0"/>
+          <a:chOff x="0" y="0"/>
+          <a:chExt cx="0" cy="0"/>
+        </a:xfrm>
+      </p:grpSpPr>
+      <p:sp>
+        <p:nvSpPr>
+          <p:cNvPr id="304129" name="Rectangle 7"/>
+          <p:cNvSpPr txBox="1">
+            <a:spLocks noGrp="1" noChangeArrowheads="1"/>
+          </p:cNvSpPr>
+          <p:nvPr/>
+        </p:nvSpPr>
+        <p:spPr bwMode="auto">
+          <a:xfrm>
+            <a:off x="3886200" y="8686489"/>
+            <a:ext cx="2971800" cy="457512"/>
+          </a:xfrm>
+          <a:prstGeom prst="rect">
+            <a:avLst/>
+          </a:prstGeom>
+          <a:noFill/>
+          <a:ln>
+            <a:miter lim="800000"/>
+            <a:headEnd/>
+            <a:tailEnd/>
+          </a:ln>
+        </p:spPr>
+        <p:txBody>
+          <a:bodyPr anchor="b"/>
+          <a:lstStyle/>
+          <a:p>
+            <a:pPr algn="r" eaLnBrk="0" hangingPunct="0">
+              <a:defRPr/>
+            </a:pPr>
+            <a:fld id="{5639B2D1-4F62-47BF-B141-83C0868A9AB5}" type="slidenum">
+              <a:rPr lang="en-US" sz="1200">
+                <a:ea typeface="ＭＳ Ｐゴシック" pitchFamily="34" charset="-128"/>
+                <a:cs typeface="+mn-cs"/>
+              </a:rPr>
+              <a:pPr algn="r" eaLnBrk="0" hangingPunct="0">
+                <a:defRPr/>
+              </a:pPr>
+              <a:t>6</a:t>
+            </a:fld>
+            <a:endParaRPr lang="en-US" sz="1200" dirty="0">
+              <a:ea typeface="ＭＳ Ｐゴシック" pitchFamily="34" charset="-128"/>
+              <a:cs typeface="+mn-cs"/>
+            </a:endParaRPr>
+          </a:p>
+        </p:txBody>
+      </p:sp>
+      <p:sp>
+        <p:nvSpPr>
+          <p:cNvPr id="97282" name="Rectangle 2"/>
+          <p:cNvSpPr>
+            <a:spLocks noGrp="1" noRot="1" noChangeAspect="1" noChangeArrowheads="1" noTextEdit="1"/>
+          </p:cNvSpPr>
+          <p:nvPr>
+            <p:ph type="sldImg"/>
+          </p:nvPr>
+        </p:nvSpPr>
+        <p:spPr>
+          <a:ln/>
+        </p:spPr>
+      </p:sp>
+      <p:sp>
+        <p:nvSpPr>
+          <p:cNvPr id="97283" name="Rectangle 3"/>
+          <p:cNvSpPr>
+            <a:spLocks noGrp="1" noChangeArrowheads="1"/>
+          </p:cNvSpPr>
+          <p:nvPr>
+            <p:ph type="body" idx="1"/>
+          </p:nvPr>
+        </p:nvSpPr>
+        <p:spPr>
+          <a:noFill/>
+          <a:ln/>
+        </p:spPr>
+        <p:txBody>
+          <a:bodyPr/>
+          <a:lstStyle/>
+          <a:p>
+            <a:pPr eaLnBrk="1" hangingPunct="1"/>
+            <a:endParaRPr lang="en-US" dirty="0" smtClean="0">
+              <a:ea typeface="ＭＳ Ｐゴシック"/>
+            </a:endParaRPr>
+          </a:p>
+        </p:txBody>
+      </p:sp>
+    </p:spTree>
+  </p:cSld>
+  <p:clrMapOvr>
+    <a:masterClrMapping/>
+  </p:clrMapOvr>
+</p:notes>
+</file>
+
+<file path=ppt/notesSlides/notesSlide7.xml><?xml version="1.0" encoding="utf-8"?>
+<p:notes xmlns:a="http://schemas.openxmlformats.org/drawingml/2006/main" xmlns:r="http://schemas.openxmlformats.org/officeDocument/2006/relationships" xmlns:p="http://schemas.openxmlformats.org/presentationml/2006/main">
+  <p:cSld>
+    <p:spTree>
+      <p:nvGrpSpPr>
+        <p:cNvPr id="1" name=""/>
+        <p:cNvGrpSpPr/>
+        <p:nvPr/>
+      </p:nvGrpSpPr>
+      <p:grpSpPr>
+        <a:xfrm>
+          <a:off x="0" y="0"/>
+          <a:ext cx="0" cy="0"/>
+          <a:chOff x="0" y="0"/>
+          <a:chExt cx="0" cy="0"/>
+        </a:xfrm>
+      </p:grpSpPr>
+      <p:sp>
+        <p:nvSpPr>
+          <p:cNvPr id="2" name="Slide Image Placeholder 1"/>
+          <p:cNvSpPr>
+            <a:spLocks noGrp="1" noRot="1" noChangeAspect="1"/>
+          </p:cNvSpPr>
+          <p:nvPr>
+            <p:ph type="sldImg"/>
+          </p:nvPr>
+        </p:nvSpPr>
+        <p:spPr/>
+      </p:sp>
+      <p:sp>
+        <p:nvSpPr>
+          <p:cNvPr id="3" name="Notes Placeholder 2"/>
+          <p:cNvSpPr>
+            <a:spLocks noGrp="1"/>
+          </p:cNvSpPr>
+          <p:nvPr>
+            <p:ph type="body" idx="1"/>
+          </p:nvPr>
+        </p:nvSpPr>
+        <p:spPr/>
+        <p:txBody>
+          <a:bodyPr/>
+          <a:lstStyle/>
+          <a:p>
+            <a:endParaRPr lang="en-US"/>
+          </a:p>
+        </p:txBody>
+      </p:sp>
+      <p:sp>
+        <p:nvSpPr>
+          <p:cNvPr id="4" name="Slide Number Placeholder 3"/>
+          <p:cNvSpPr>
+            <a:spLocks noGrp="1"/>
+          </p:cNvSpPr>
+          <p:nvPr>
+            <p:ph type="sldNum" sz="quarter" idx="10"/>
+          </p:nvPr>
+        </p:nvSpPr>
+        <p:spPr/>
+        <p:txBody>
+          <a:bodyPr/>
+          <a:lstStyle/>
+          <a:p>
+            <a:fld id="{3560C2FB-C494-1A46-A471-884A4E75440F}" type="slidenum">
+              <a:rPr lang="en-US" smtClean="0"/>
+              <a:pPr/>
+              <a:t>7</a:t>
+            </a:fld>
+            <a:endParaRPr lang="en-US" dirty="0"/>
+          </a:p>
+        </p:txBody>
+      </p:sp>
+    </p:spTree>
+    <p:extLst>
+      <p:ext uri="{BB962C8B-B14F-4D97-AF65-F5344CB8AC3E}">
+        <p14:creationId xmlns:p14="http://schemas.microsoft.com/office/powerpoint/2010/main" val="685478776"/>
+      </p:ext>
+    </p:extLst>
   </p:cSld>
   <p:clrMapOvr>
     <a:masterClrMapping/>
@@ -5178,19 +5545,7 @@
           <a:p>
             <a:r>
               <a:rPr lang="en-US" sz="3200" dirty="0" smtClean="0"/>
-              <a:t>Medi</a:t>
-            </a:r>
-            <a:r>
-              <a:rPr lang="en-US" sz="3200" dirty="0" smtClean="0"/>
-              <a:t>a </a:t>
-            </a:r>
-            <a:r>
-              <a:rPr lang="en-US" sz="3200" dirty="0" smtClean="0"/>
-              <a:t>events </a:t>
-            </a:r>
-            <a:r>
-              <a:rPr lang="en-US" sz="3200" dirty="0" smtClean="0"/>
-              <a:t>simply indicate the video has done something</a:t>
+              <a:t>Media events simply indicate the video has done something</a:t>
             </a:r>
           </a:p>
           <a:p>
@@ -5240,7 +5595,7 @@
           <p:nvPr/>
         </p:nvPicPr>
         <p:blipFill>
-          <a:blip r:embed="rId2">
+          <a:blip r:embed="rId3">
             <a:extLst>
               <a:ext uri="{28A0092B-C50C-407E-A947-70E740481C1C}">
                 <a14:useLocalDpi xmlns:a14="http://schemas.microsoft.com/office/drawing/2010/main" val="0"/>
@@ -6777,6 +7132,132 @@
       </p:grpSpPr>
       <p:sp>
         <p:nvSpPr>
+          <p:cNvPr id="303106" name="Slide Number Placeholder 3"/>
+          <p:cNvSpPr txBox="1">
+            <a:spLocks noGrp="1"/>
+          </p:cNvSpPr>
+          <p:nvPr/>
+        </p:nvSpPr>
+        <p:spPr bwMode="auto">
+          <a:xfrm>
+            <a:off x="315868" y="9189943"/>
+            <a:ext cx="866378" cy="541514"/>
+          </a:xfrm>
+          <a:prstGeom prst="rect">
+            <a:avLst/>
+          </a:prstGeom>
+          <a:noFill/>
+          <a:ln>
+            <a:miter lim="800000"/>
+            <a:headEnd/>
+            <a:tailEnd/>
+          </a:ln>
+        </p:spPr>
+        <p:txBody>
+          <a:bodyPr lIns="154707" tIns="77354" rIns="154707" bIns="77354"/>
+          <a:lstStyle/>
+          <a:p>
+            <a:pPr eaLnBrk="0" hangingPunct="0">
+              <a:defRPr/>
+            </a:pPr>
+            <a:fld id="{1BD3BB7B-F997-4B7C-BCBE-A063D59C732E}" type="slidenum">
+              <a:rPr lang="en-US" sz="1500" b="1">
+                <a:solidFill>
+                  <a:srgbClr val="7B7B7B"/>
+                </a:solidFill>
+                <a:ea typeface="ＭＳ Ｐゴシック" pitchFamily="34" charset="-128"/>
+                <a:cs typeface="+mn-cs"/>
+              </a:rPr>
+              <a:pPr eaLnBrk="0" hangingPunct="0">
+                <a:defRPr/>
+              </a:pPr>
+              <a:t>6</a:t>
+            </a:fld>
+            <a:endParaRPr lang="en-US" sz="1500" b="1" dirty="0">
+              <a:solidFill>
+                <a:srgbClr val="7B7B7B"/>
+              </a:solidFill>
+              <a:ea typeface="ＭＳ Ｐゴシック" pitchFamily="34" charset="-128"/>
+              <a:cs typeface="+mn-cs"/>
+            </a:endParaRPr>
+          </a:p>
+        </p:txBody>
+      </p:sp>
+      <p:sp>
+        <p:nvSpPr>
+          <p:cNvPr id="5" name="Text Placeholder 4"/>
+          <p:cNvSpPr>
+            <a:spLocks noGrp="1"/>
+          </p:cNvSpPr>
+          <p:nvPr>
+            <p:ph type="body" sz="quarter" idx="10"/>
+          </p:nvPr>
+        </p:nvSpPr>
+        <p:spPr/>
+        <p:txBody>
+          <a:bodyPr/>
+          <a:lstStyle/>
+          <a:p>
+            <a:r>
+              <a:rPr lang="en-US" dirty="0" smtClean="0"/>
+              <a:t>Demo </a:t>
+            </a:r>
+            <a:r>
+              <a:rPr lang="en-US" dirty="0" smtClean="0"/>
+              <a:t>3: </a:t>
+            </a:r>
+            <a:r>
+              <a:rPr lang="en-US" dirty="0" smtClean="0"/>
+              <a:t>Displaying </a:t>
+            </a:r>
+            <a:r>
+              <a:rPr lang="en-US" dirty="0" smtClean="0"/>
+              <a:t>Video Time Using the Progress Event</a:t>
+            </a:r>
+            <a:endParaRPr lang="en-US" dirty="0" smtClean="0"/>
+          </a:p>
+        </p:txBody>
+      </p:sp>
+    </p:spTree>
+    <p:extLst>
+      <p:ext uri="{BB962C8B-B14F-4D97-AF65-F5344CB8AC3E}">
+        <p14:creationId xmlns:p14="http://schemas.microsoft.com/office/powerpoint/2010/main" val="3066655692"/>
+      </p:ext>
+    </p:extLst>
+  </p:cSld>
+  <p:clrMapOvr>
+    <a:masterClrMapping/>
+  </p:clrMapOvr>
+  <p:transition xmlns:p14="http://schemas.microsoft.com/office/powerpoint/2010/main"/>
+  <p:timing>
+    <p:tnLst>
+      <p:par>
+        <p:cTn xmlns:p14="http://schemas.microsoft.com/office/powerpoint/2010/main" id="1" dur="indefinite" restart="never" nodeType="tmRoot"/>
+      </p:par>
+    </p:tnLst>
+  </p:timing>
+</p:sld>
+</file>
+
+<file path=ppt/slides/slide7.xml><?xml version="1.0" encoding="utf-8"?>
+<p:sld xmlns:a="http://schemas.openxmlformats.org/drawingml/2006/main" xmlns:r="http://schemas.openxmlformats.org/officeDocument/2006/relationships" xmlns:p="http://schemas.openxmlformats.org/presentationml/2006/main">
+  <p:cSld>
+    <p:spTree>
+      <p:nvGrpSpPr>
+        <p:cNvPr id="1" name=""/>
+        <p:cNvGrpSpPr/>
+        <p:nvPr/>
+      </p:nvGrpSpPr>
+      <p:grpSpPr>
+        <a:xfrm>
+          <a:off x="0" y="0"/>
+          <a:ext cx="0" cy="0"/>
+          <a:chOff x="0" y="0"/>
+          <a:chExt cx="0" cy="0"/>
+        </a:xfrm>
+      </p:grpSpPr>
+      <p:sp>
+        <p:nvSpPr>
           <p:cNvPr id="3" name="Text Placeholder 2"/>
           <p:cNvSpPr>
             <a:spLocks noGrp="1"/>
@@ -6851,7 +7332,7 @@
               <a:pPr>
                 <a:defRPr/>
               </a:pPr>
-              <a:t>6</a:t>
+              <a:t>7</a:t>
             </a:fld>
             <a:endParaRPr lang="en-US" dirty="0"/>
           </a:p>
